--- a/db.pptx
+++ b/db.pptx
@@ -104,6 +104,11 @@
       </a:defRPr>
     </a:lvl9pPr>
   </p:defaultTextStyle>
+  <p:extLst>
+    <p:ext uri="{EFAFB233-063F-42B5-8137-9DF3F51BA10A}">
+      <p15:sldGuideLst xmlns:p15="http://schemas.microsoft.com/office/powerpoint/2012/main"/>
+    </p:ext>
+  </p:extLst>
 </p:presentation>
 </file>
 
@@ -256,7 +261,7 @@
           <a:p>
             <a:fld id="{BB464EFB-CF24-FA47-AED0-B2E385ED4C82}" type="datetimeFigureOut">
               <a:rPr kumimoji="1" lang="ko-Kore-KR" altLang="en-US" smtClean="0"/>
-              <a:t>2022. 12. 21.</a:t>
+              <a:t>2023. 1. 31.</a:t>
             </a:fld>
             <a:endParaRPr kumimoji="1" lang="ko-Kore-KR" altLang="en-US"/>
           </a:p>
@@ -456,7 +461,7 @@
           <a:p>
             <a:fld id="{BB464EFB-CF24-FA47-AED0-B2E385ED4C82}" type="datetimeFigureOut">
               <a:rPr kumimoji="1" lang="ko-Kore-KR" altLang="en-US" smtClean="0"/>
-              <a:t>2022. 12. 21.</a:t>
+              <a:t>2023. 1. 31.</a:t>
             </a:fld>
             <a:endParaRPr kumimoji="1" lang="ko-Kore-KR" altLang="en-US"/>
           </a:p>
@@ -666,7 +671,7 @@
           <a:p>
             <a:fld id="{BB464EFB-CF24-FA47-AED0-B2E385ED4C82}" type="datetimeFigureOut">
               <a:rPr kumimoji="1" lang="ko-Kore-KR" altLang="en-US" smtClean="0"/>
-              <a:t>2022. 12. 21.</a:t>
+              <a:t>2023. 1. 31.</a:t>
             </a:fld>
             <a:endParaRPr kumimoji="1" lang="ko-Kore-KR" altLang="en-US"/>
           </a:p>
@@ -866,7 +871,7 @@
           <a:p>
             <a:fld id="{BB464EFB-CF24-FA47-AED0-B2E385ED4C82}" type="datetimeFigureOut">
               <a:rPr kumimoji="1" lang="ko-Kore-KR" altLang="en-US" smtClean="0"/>
-              <a:t>2022. 12. 21.</a:t>
+              <a:t>2023. 1. 31.</a:t>
             </a:fld>
             <a:endParaRPr kumimoji="1" lang="ko-Kore-KR" altLang="en-US"/>
           </a:p>
@@ -1142,7 +1147,7 @@
           <a:p>
             <a:fld id="{BB464EFB-CF24-FA47-AED0-B2E385ED4C82}" type="datetimeFigureOut">
               <a:rPr kumimoji="1" lang="ko-Kore-KR" altLang="en-US" smtClean="0"/>
-              <a:t>2022. 12. 21.</a:t>
+              <a:t>2023. 1. 31.</a:t>
             </a:fld>
             <a:endParaRPr kumimoji="1" lang="ko-Kore-KR" altLang="en-US"/>
           </a:p>
@@ -1410,7 +1415,7 @@
           <a:p>
             <a:fld id="{BB464EFB-CF24-FA47-AED0-B2E385ED4C82}" type="datetimeFigureOut">
               <a:rPr kumimoji="1" lang="ko-Kore-KR" altLang="en-US" smtClean="0"/>
-              <a:t>2022. 12. 21.</a:t>
+              <a:t>2023. 1. 31.</a:t>
             </a:fld>
             <a:endParaRPr kumimoji="1" lang="ko-Kore-KR" altLang="en-US"/>
           </a:p>
@@ -1825,7 +1830,7 @@
           <a:p>
             <a:fld id="{BB464EFB-CF24-FA47-AED0-B2E385ED4C82}" type="datetimeFigureOut">
               <a:rPr kumimoji="1" lang="ko-Kore-KR" altLang="en-US" smtClean="0"/>
-              <a:t>2022. 12. 21.</a:t>
+              <a:t>2023. 1. 31.</a:t>
             </a:fld>
             <a:endParaRPr kumimoji="1" lang="ko-Kore-KR" altLang="en-US"/>
           </a:p>
@@ -1967,7 +1972,7 @@
           <a:p>
             <a:fld id="{BB464EFB-CF24-FA47-AED0-B2E385ED4C82}" type="datetimeFigureOut">
               <a:rPr kumimoji="1" lang="ko-Kore-KR" altLang="en-US" smtClean="0"/>
-              <a:t>2022. 12. 21.</a:t>
+              <a:t>2023. 1. 31.</a:t>
             </a:fld>
             <a:endParaRPr kumimoji="1" lang="ko-Kore-KR" altLang="en-US"/>
           </a:p>
@@ -2080,7 +2085,7 @@
           <a:p>
             <a:fld id="{BB464EFB-CF24-FA47-AED0-B2E385ED4C82}" type="datetimeFigureOut">
               <a:rPr kumimoji="1" lang="ko-Kore-KR" altLang="en-US" smtClean="0"/>
-              <a:t>2022. 12. 21.</a:t>
+              <a:t>2023. 1. 31.</a:t>
             </a:fld>
             <a:endParaRPr kumimoji="1" lang="ko-Kore-KR" altLang="en-US"/>
           </a:p>
@@ -2393,7 +2398,7 @@
           <a:p>
             <a:fld id="{BB464EFB-CF24-FA47-AED0-B2E385ED4C82}" type="datetimeFigureOut">
               <a:rPr kumimoji="1" lang="ko-Kore-KR" altLang="en-US" smtClean="0"/>
-              <a:t>2022. 12. 21.</a:t>
+              <a:t>2023. 1. 31.</a:t>
             </a:fld>
             <a:endParaRPr kumimoji="1" lang="ko-Kore-KR" altLang="en-US"/>
           </a:p>
@@ -2682,7 +2687,7 @@
           <a:p>
             <a:fld id="{BB464EFB-CF24-FA47-AED0-B2E385ED4C82}" type="datetimeFigureOut">
               <a:rPr kumimoji="1" lang="ko-Kore-KR" altLang="en-US" smtClean="0"/>
-              <a:t>2022. 12. 21.</a:t>
+              <a:t>2023. 1. 31.</a:t>
             </a:fld>
             <a:endParaRPr kumimoji="1" lang="ko-Kore-KR" altLang="en-US"/>
           </a:p>
@@ -2925,7 +2930,7 @@
           <a:p>
             <a:fld id="{BB464EFB-CF24-FA47-AED0-B2E385ED4C82}" type="datetimeFigureOut">
               <a:rPr kumimoji="1" lang="ko-Kore-KR" altLang="en-US" smtClean="0"/>
-              <a:t>2022. 12. 21.</a:t>
+              <a:t>2023. 1. 31.</a:t>
             </a:fld>
             <a:endParaRPr kumimoji="1" lang="ko-Kore-KR" altLang="en-US"/>
           </a:p>
@@ -3357,14 +3362,14 @@
           <p:nvPr>
             <p:extLst>
               <p:ext uri="{D42A27DB-BD31-4B8C-83A1-F6EECF244321}">
-                <p14:modId xmlns:p14="http://schemas.microsoft.com/office/powerpoint/2010/main" val="4047383057"/>
+                <p14:modId xmlns:p14="http://schemas.microsoft.com/office/powerpoint/2010/main" val="652177936"/>
               </p:ext>
             </p:extLst>
           </p:nvPr>
         </p:nvGraphicFramePr>
         <p:xfrm>
-          <a:off x="1095829" y="1874520"/>
-          <a:ext cx="3345542" cy="2194560"/>
+          <a:off x="2025468" y="523240"/>
+          <a:ext cx="3684451" cy="2926080"/>
         </p:xfrm>
         <a:graphic>
           <a:graphicData uri="http://schemas.openxmlformats.org/drawingml/2006/table">
@@ -3373,14 +3378,14 @@
                 <a:tableStyleId>{5C22544A-7EE6-4342-B048-85BDC9FD1C3A}</a:tableStyleId>
               </a:tblPr>
               <a:tblGrid>
-                <a:gridCol w="1672771">
+                <a:gridCol w="2200281">
                   <a:extLst>
                     <a:ext uri="{9D8B030D-6E8A-4147-A177-3AD203B41FA5}">
                       <a16:colId xmlns:a16="http://schemas.microsoft.com/office/drawing/2014/main" val="366538510"/>
                     </a:ext>
                   </a:extLst>
                 </a:gridCol>
-                <a:gridCol w="1672771">
+                <a:gridCol w="1484170">
                   <a:extLst>
                     <a:ext uri="{9D8B030D-6E8A-4147-A177-3AD203B41FA5}">
                       <a16:colId xmlns:a16="http://schemas.microsoft.com/office/drawing/2014/main" val="1545548767"/>
@@ -3573,12 +3578,104 @@
                     <a:bodyPr/>
                     <a:lstStyle/>
                     <a:p>
+                      <a:pPr marL="0" marR="0" lvl="0" indent="0" algn="ctr" defTabSz="914400" rtl="0" eaLnBrk="1" fontAlgn="auto" latinLnBrk="0" hangingPunct="1">
+                        <a:lnSpc>
+                          <a:spcPct val="100000"/>
+                        </a:lnSpc>
+                        <a:spcBef>
+                          <a:spcPts val="0"/>
+                        </a:spcBef>
+                        <a:spcAft>
+                          <a:spcPts val="0"/>
+                        </a:spcAft>
+                        <a:buClrTx/>
+                        <a:buSzTx/>
+                        <a:buFontTx/>
+                        <a:buNone/>
+                        <a:tabLst/>
+                        <a:defRPr/>
+                      </a:pPr>
+                      <a:r>
+                        <a:rPr lang="en" altLang="ko-Kore-KR" sz="1800" kern="1200" dirty="0">
+                          <a:solidFill>
+                            <a:schemeClr val="dk1"/>
+                          </a:solidFill>
+                          <a:effectLst/>
+                          <a:latin typeface="+mn-lt"/>
+                          <a:ea typeface="+mn-ea"/>
+                          <a:cs typeface="+mn-cs"/>
+                        </a:rPr>
+                        <a:t>birth</a:t>
+                      </a:r>
+                    </a:p>
+                  </a:txBody>
+                  <a:tcPr anchor="ctr"/>
+                </a:tc>
+                <a:tc>
+                  <a:txBody>
+                    <a:bodyPr/>
+                    <a:lstStyle/>
+                    <a:p>
                       <a:pPr algn="ctr"/>
                       <a:r>
                         <a:rPr lang="en-US" altLang="ko-Kore-KR" dirty="0"/>
-                        <a:t>age</a:t>
+                        <a:t>String</a:t>
                       </a:r>
                       <a:endParaRPr lang="ko-Kore-KR" altLang="en-US" dirty="0"/>
+                    </a:p>
+                  </a:txBody>
+                  <a:tcPr anchor="ctr"/>
+                </a:tc>
+                <a:extLst>
+                  <a:ext uri="{0D108BD9-81ED-4DB2-BD59-A6C34878D82A}">
+                    <a16:rowId xmlns:a16="http://schemas.microsoft.com/office/drawing/2014/main" val="301380533"/>
+                  </a:ext>
+                </a:extLst>
+              </a:tr>
+              <a:tr h="338667">
+                <a:tc>
+                  <a:txBody>
+                    <a:bodyPr/>
+                    <a:lstStyle/>
+                    <a:p>
+                      <a:pPr marL="0" marR="0" lvl="0" indent="0" algn="ctr" defTabSz="914400" rtl="0" eaLnBrk="1" fontAlgn="auto" latinLnBrk="0" hangingPunct="1">
+                        <a:lnSpc>
+                          <a:spcPct val="100000"/>
+                        </a:lnSpc>
+                        <a:spcBef>
+                          <a:spcPts val="0"/>
+                        </a:spcBef>
+                        <a:spcAft>
+                          <a:spcPts val="0"/>
+                        </a:spcAft>
+                        <a:buClrTx/>
+                        <a:buSzTx/>
+                        <a:buFontTx/>
+                        <a:buNone/>
+                        <a:tabLst/>
+                        <a:defRPr/>
+                      </a:pPr>
+                      <a:r>
+                        <a:rPr lang="en" altLang="ko-Kore-KR" sz="1800" kern="1200" dirty="0" err="1">
+                          <a:solidFill>
+                            <a:schemeClr val="dk1"/>
+                          </a:solidFill>
+                          <a:effectLst/>
+                          <a:latin typeface="+mn-lt"/>
+                          <a:ea typeface="+mn-ea"/>
+                          <a:cs typeface="+mn-cs"/>
+                        </a:rPr>
+                        <a:t>attendanceNumber</a:t>
+                      </a:r>
+                      <a:endParaRPr lang="en" altLang="ko-Kore-KR" sz="1800" kern="1200" dirty="0">
+                        <a:solidFill>
+                          <a:schemeClr val="dk1"/>
+                        </a:solidFill>
+                        <a:effectLst/>
+                        <a:latin typeface="+mn-lt"/>
+                        <a:ea typeface="+mn-ea"/>
+                        <a:cs typeface="+mn-cs"/>
+                      </a:endParaRPr>
                     </a:p>
                   </a:txBody>
                   <a:tcPr anchor="ctr"/>
@@ -3604,6 +3701,75 @@
                   </a:ext>
                 </a:extLst>
               </a:tr>
+              <a:tr h="338667">
+                <a:tc>
+                  <a:txBody>
+                    <a:bodyPr/>
+                    <a:lstStyle/>
+                    <a:p>
+                      <a:pPr marL="0" marR="0" lvl="0" indent="0" algn="ctr" defTabSz="914400" rtl="0" eaLnBrk="1" fontAlgn="auto" latinLnBrk="0" hangingPunct="1">
+                        <a:lnSpc>
+                          <a:spcPct val="100000"/>
+                        </a:lnSpc>
+                        <a:spcBef>
+                          <a:spcPts val="0"/>
+                        </a:spcBef>
+                        <a:spcAft>
+                          <a:spcPts val="0"/>
+                        </a:spcAft>
+                        <a:buClrTx/>
+                        <a:buSzTx/>
+                        <a:buFontTx/>
+                        <a:buNone/>
+                        <a:tabLst/>
+                        <a:defRPr/>
+                      </a:pPr>
+                      <a:r>
+                        <a:rPr lang="en" altLang="ko-Kore-KR" sz="1800" kern="1200" dirty="0" err="1">
+                          <a:solidFill>
+                            <a:schemeClr val="dk1"/>
+                          </a:solidFill>
+                          <a:effectLst/>
+                          <a:latin typeface="+mn-lt"/>
+                          <a:ea typeface="+mn-ea"/>
+                          <a:cs typeface="+mn-cs"/>
+                        </a:rPr>
+                        <a:t>faceImageUri</a:t>
+                      </a:r>
+                      <a:endParaRPr lang="en" altLang="ko-Kore-KR" sz="1800" kern="1200" dirty="0">
+                        <a:solidFill>
+                          <a:schemeClr val="dk1"/>
+                        </a:solidFill>
+                        <a:effectLst/>
+                        <a:latin typeface="+mn-lt"/>
+                        <a:ea typeface="+mn-ea"/>
+                        <a:cs typeface="+mn-cs"/>
+                      </a:endParaRPr>
+                    </a:p>
+                  </a:txBody>
+                  <a:tcPr anchor="ctr"/>
+                </a:tc>
+                <a:tc>
+                  <a:txBody>
+                    <a:bodyPr/>
+                    <a:lstStyle/>
+                    <a:p>
+                      <a:pPr algn="ctr"/>
+                      <a:r>
+                        <a:rPr lang="en-US" altLang="ko-Kore-KR" dirty="0"/>
+                        <a:t>String</a:t>
+                      </a:r>
+                      <a:endParaRPr lang="ko-Kore-KR" altLang="en-US" dirty="0"/>
+                    </a:p>
+                  </a:txBody>
+                  <a:tcPr anchor="ctr"/>
+                </a:tc>
+                <a:extLst>
+                  <a:ext uri="{0D108BD9-81ED-4DB2-BD59-A6C34878D82A}">
+                    <a16:rowId xmlns:a16="http://schemas.microsoft.com/office/drawing/2014/main" val="3933683327"/>
+                  </a:ext>
+                </a:extLst>
+              </a:tr>
             </a:tbl>
           </a:graphicData>
         </a:graphic>
@@ -3623,13 +3789,13 @@
           <p:nvPr>
             <p:extLst>
               <p:ext uri="{D42A27DB-BD31-4B8C-83A1-F6EECF244321}">
-                <p14:modId xmlns:p14="http://schemas.microsoft.com/office/powerpoint/2010/main" val="799873022"/>
+                <p14:modId xmlns:p14="http://schemas.microsoft.com/office/powerpoint/2010/main" val="2508406249"/>
               </p:ext>
             </p:extLst>
           </p:nvPr>
         </p:nvGraphicFramePr>
         <p:xfrm>
-          <a:off x="6484257" y="1486989"/>
+          <a:off x="6942548" y="745309"/>
           <a:ext cx="3345542" cy="1463040"/>
         </p:xfrm>
         <a:graphic>
@@ -3805,52 +3971,466 @@
           </a:graphicData>
         </a:graphic>
       </p:graphicFrame>
-      <p:cxnSp>
-        <p:nvCxnSpPr>
-          <p:cNvPr id="17" name="꺾인 연결선[E] 16">
-            <a:extLst>
-              <a:ext uri="{FF2B5EF4-FFF2-40B4-BE49-F238E27FC236}">
-                <a16:creationId xmlns:a16="http://schemas.microsoft.com/office/drawing/2014/main" id="{81B7005D-CBA5-42C8-AAC7-A6D845D794F4}"/>
-              </a:ext>
-            </a:extLst>
-          </p:cNvPr>
-          <p:cNvCxnSpPr>
-            <a:cxnSpLocks/>
-          </p:cNvCxnSpPr>
-          <p:nvPr/>
-        </p:nvCxnSpPr>
-        <p:spPr>
-          <a:xfrm rot="10800000">
-            <a:off x="4441377" y="2122717"/>
-            <a:ext cx="2042881" cy="293912"/>
-          </a:xfrm>
-          <a:prstGeom prst="bentConnector3">
-            <a:avLst>
-              <a:gd name="adj1" fmla="val 50000"/>
-            </a:avLst>
-          </a:prstGeom>
-          <a:ln w="28575">
-            <a:solidFill>
-              <a:schemeClr val="tx1"/>
-            </a:solidFill>
-            <a:tailEnd type="triangle"/>
-          </a:ln>
-        </p:spPr>
-        <p:style>
-          <a:lnRef idx="1">
-            <a:schemeClr val="accent1"/>
-          </a:lnRef>
-          <a:fillRef idx="0">
-            <a:schemeClr val="accent1"/>
-          </a:fillRef>
-          <a:effectRef idx="0">
-            <a:schemeClr val="accent1"/>
-          </a:effectRef>
-          <a:fontRef idx="minor">
-            <a:schemeClr val="tx1"/>
-          </a:fontRef>
-        </p:style>
-      </p:cxnSp>
+      <p:graphicFrame>
+        <p:nvGraphicFramePr>
+          <p:cNvPr id="2" name="표 1">
+            <a:extLst>
+              <a:ext uri="{FF2B5EF4-FFF2-40B4-BE49-F238E27FC236}">
+                <a16:creationId xmlns:a16="http://schemas.microsoft.com/office/drawing/2014/main" id="{D3380B44-DD2C-6386-FA6E-1957C55F4EF2}"/>
+              </a:ext>
+            </a:extLst>
+          </p:cNvPr>
+          <p:cNvGraphicFramePr>
+            <a:graphicFrameLocks noGrp="1"/>
+          </p:cNvGraphicFramePr>
+          <p:nvPr>
+            <p:extLst>
+              <p:ext uri="{D42A27DB-BD31-4B8C-83A1-F6EECF244321}">
+                <p14:modId xmlns:p14="http://schemas.microsoft.com/office/powerpoint/2010/main" val="1271494112"/>
+              </p:ext>
+            </p:extLst>
+          </p:nvPr>
+        </p:nvGraphicFramePr>
+        <p:xfrm>
+          <a:off x="2628177" y="3774441"/>
+          <a:ext cx="3345542" cy="1828800"/>
+        </p:xfrm>
+        <a:graphic>
+          <a:graphicData uri="http://schemas.openxmlformats.org/drawingml/2006/table">
+            <a:tbl>
+              <a:tblPr firstRow="1" bandRow="1">
+                <a:tableStyleId>{5C22544A-7EE6-4342-B048-85BDC9FD1C3A}</a:tableStyleId>
+              </a:tblPr>
+              <a:tblGrid>
+                <a:gridCol w="1672771">
+                  <a:extLst>
+                    <a:ext uri="{9D8B030D-6E8A-4147-A177-3AD203B41FA5}">
+                      <a16:colId xmlns:a16="http://schemas.microsoft.com/office/drawing/2014/main" val="366538510"/>
+                    </a:ext>
+                  </a:extLst>
+                </a:gridCol>
+                <a:gridCol w="1672771">
+                  <a:extLst>
+                    <a:ext uri="{9D8B030D-6E8A-4147-A177-3AD203B41FA5}">
+                      <a16:colId xmlns:a16="http://schemas.microsoft.com/office/drawing/2014/main" val="1545548767"/>
+                    </a:ext>
+                  </a:extLst>
+                </a:gridCol>
+              </a:tblGrid>
+              <a:tr h="338667">
+                <a:tc gridSpan="2">
+                  <a:txBody>
+                    <a:bodyPr/>
+                    <a:lstStyle/>
+                    <a:p>
+                      <a:pPr algn="ctr"/>
+                      <a:r>
+                        <a:rPr lang="en-US" altLang="ko-Kore-KR" dirty="0"/>
+                        <a:t>post</a:t>
+                      </a:r>
+                      <a:endParaRPr lang="ko-Kore-KR" altLang="en-US" dirty="0"/>
+                    </a:p>
+                  </a:txBody>
+                  <a:tcPr anchor="ctr"/>
+                </a:tc>
+                <a:tc hMerge="1">
+                  <a:txBody>
+                    <a:bodyPr/>
+                    <a:lstStyle/>
+                    <a:p>
+                      <a:endParaRPr lang="ko-Kore-KR" altLang="en-US" dirty="0"/>
+                    </a:p>
+                  </a:txBody>
+                  <a:tcPr/>
+                </a:tc>
+                <a:extLst>
+                  <a:ext uri="{0D108BD9-81ED-4DB2-BD59-A6C34878D82A}">
+                    <a16:rowId xmlns:a16="http://schemas.microsoft.com/office/drawing/2014/main" val="3937282584"/>
+                  </a:ext>
+                </a:extLst>
+              </a:tr>
+              <a:tr h="338667">
+                <a:tc>
+                  <a:txBody>
+                    <a:bodyPr/>
+                    <a:lstStyle/>
+                    <a:p>
+                      <a:pPr algn="ctr"/>
+                      <a:r>
+                        <a:rPr lang="en-US" altLang="ko-Kore-KR" dirty="0"/>
+                        <a:t>id</a:t>
+                      </a:r>
+                      <a:endParaRPr lang="ko-Kore-KR" altLang="en-US" dirty="0"/>
+                    </a:p>
+                  </a:txBody>
+                  <a:tcPr anchor="ctr"/>
+                </a:tc>
+                <a:tc>
+                  <a:txBody>
+                    <a:bodyPr/>
+                    <a:lstStyle/>
+                    <a:p>
+                      <a:pPr algn="ctr"/>
+                      <a:r>
+                        <a:rPr lang="en-US" altLang="ko-Kore-KR" dirty="0"/>
+                        <a:t>Long(PK)</a:t>
+                      </a:r>
+                      <a:endParaRPr lang="ko-Kore-KR" altLang="en-US" dirty="0"/>
+                    </a:p>
+                  </a:txBody>
+                  <a:tcPr anchor="ctr"/>
+                </a:tc>
+                <a:extLst>
+                  <a:ext uri="{0D108BD9-81ED-4DB2-BD59-A6C34878D82A}">
+                    <a16:rowId xmlns:a16="http://schemas.microsoft.com/office/drawing/2014/main" val="1730845299"/>
+                  </a:ext>
+                </a:extLst>
+              </a:tr>
+              <a:tr h="338667">
+                <a:tc>
+                  <a:txBody>
+                    <a:bodyPr/>
+                    <a:lstStyle/>
+                    <a:p>
+                      <a:pPr algn="ctr"/>
+                      <a:r>
+                        <a:rPr lang="en-US" altLang="ko-Kore-KR" dirty="0"/>
+                        <a:t>date</a:t>
+                      </a:r>
+                      <a:endParaRPr lang="ko-Kore-KR" altLang="en-US" dirty="0"/>
+                    </a:p>
+                  </a:txBody>
+                  <a:tcPr anchor="ctr"/>
+                </a:tc>
+                <a:tc>
+                  <a:txBody>
+                    <a:bodyPr/>
+                    <a:lstStyle/>
+                    <a:p>
+                      <a:pPr algn="ctr"/>
+                      <a:r>
+                        <a:rPr lang="en-US" altLang="ko-Kore-KR" dirty="0" err="1"/>
+                        <a:t>LocalDate</a:t>
+                      </a:r>
+                      <a:endParaRPr lang="ko-Kore-KR" altLang="en-US" dirty="0"/>
+                    </a:p>
+                  </a:txBody>
+                  <a:tcPr anchor="ctr"/>
+                </a:tc>
+                <a:extLst>
+                  <a:ext uri="{0D108BD9-81ED-4DB2-BD59-A6C34878D82A}">
+                    <a16:rowId xmlns:a16="http://schemas.microsoft.com/office/drawing/2014/main" val="1881583776"/>
+                  </a:ext>
+                </a:extLst>
+              </a:tr>
+              <a:tr h="338667">
+                <a:tc>
+                  <a:txBody>
+                    <a:bodyPr/>
+                    <a:lstStyle/>
+                    <a:p>
+                      <a:pPr algn="ctr"/>
+                      <a:r>
+                        <a:rPr lang="en-US" altLang="ko-Kore-KR" sz="1800" dirty="0"/>
+                        <a:t>title</a:t>
+                      </a:r>
+                      <a:endParaRPr lang="ko-Kore-KR" altLang="en-US" dirty="0"/>
+                    </a:p>
+                  </a:txBody>
+                  <a:tcPr anchor="ctr"/>
+                </a:tc>
+                <a:tc>
+                  <a:txBody>
+                    <a:bodyPr/>
+                    <a:lstStyle/>
+                    <a:p>
+                      <a:pPr algn="ctr"/>
+                      <a:r>
+                        <a:rPr lang="en-US" altLang="ko-Kore-KR" dirty="0"/>
+                        <a:t>String</a:t>
+                      </a:r>
+                      <a:endParaRPr lang="ko-Kore-KR" altLang="en-US" dirty="0"/>
+                    </a:p>
+                  </a:txBody>
+                  <a:tcPr anchor="ctr"/>
+                </a:tc>
+                <a:extLst>
+                  <a:ext uri="{0D108BD9-81ED-4DB2-BD59-A6C34878D82A}">
+                    <a16:rowId xmlns:a16="http://schemas.microsoft.com/office/drawing/2014/main" val="326285676"/>
+                  </a:ext>
+                </a:extLst>
+              </a:tr>
+              <a:tr h="338667">
+                <a:tc>
+                  <a:txBody>
+                    <a:bodyPr/>
+                    <a:lstStyle/>
+                    <a:p>
+                      <a:pPr algn="ctr"/>
+                      <a:r>
+                        <a:rPr lang="en-US" altLang="ko-Kore-KR" dirty="0"/>
+                        <a:t>content</a:t>
+                      </a:r>
+                      <a:endParaRPr lang="ko-Kore-KR" altLang="en-US" dirty="0"/>
+                    </a:p>
+                  </a:txBody>
+                  <a:tcPr anchor="ctr"/>
+                </a:tc>
+                <a:tc>
+                  <a:txBody>
+                    <a:bodyPr/>
+                    <a:lstStyle/>
+                    <a:p>
+                      <a:pPr algn="ctr"/>
+                      <a:r>
+                        <a:rPr lang="en-US" altLang="ko-Kore-KR" dirty="0"/>
+                        <a:t>String</a:t>
+                      </a:r>
+                      <a:endParaRPr lang="ko-Kore-KR" altLang="en-US" dirty="0"/>
+                    </a:p>
+                  </a:txBody>
+                  <a:tcPr anchor="ctr"/>
+                </a:tc>
+                <a:extLst>
+                  <a:ext uri="{0D108BD9-81ED-4DB2-BD59-A6C34878D82A}">
+                    <a16:rowId xmlns:a16="http://schemas.microsoft.com/office/drawing/2014/main" val="498039456"/>
+                  </a:ext>
+                </a:extLst>
+              </a:tr>
+            </a:tbl>
+          </a:graphicData>
+        </a:graphic>
+      </p:graphicFrame>
+      <p:graphicFrame>
+        <p:nvGraphicFramePr>
+          <p:cNvPr id="7" name="표 6">
+            <a:extLst>
+              <a:ext uri="{FF2B5EF4-FFF2-40B4-BE49-F238E27FC236}">
+                <a16:creationId xmlns:a16="http://schemas.microsoft.com/office/drawing/2014/main" id="{3EBC2014-393B-4719-F058-FB22401D2D59}"/>
+              </a:ext>
+            </a:extLst>
+          </p:cNvPr>
+          <p:cNvGraphicFramePr>
+            <a:graphicFrameLocks noGrp="1"/>
+          </p:cNvGraphicFramePr>
+          <p:nvPr>
+            <p:extLst>
+              <p:ext uri="{D42A27DB-BD31-4B8C-83A1-F6EECF244321}">
+                <p14:modId xmlns:p14="http://schemas.microsoft.com/office/powerpoint/2010/main" val="906696031"/>
+              </p:ext>
+            </p:extLst>
+          </p:nvPr>
+        </p:nvGraphicFramePr>
+        <p:xfrm>
+          <a:off x="6204858" y="3801293"/>
+          <a:ext cx="3345542" cy="1828800"/>
+        </p:xfrm>
+        <a:graphic>
+          <a:graphicData uri="http://schemas.openxmlformats.org/drawingml/2006/table">
+            <a:tbl>
+              <a:tblPr firstRow="1" bandRow="1">
+                <a:tableStyleId>{5C22544A-7EE6-4342-B048-85BDC9FD1C3A}</a:tableStyleId>
+              </a:tblPr>
+              <a:tblGrid>
+                <a:gridCol w="1672771">
+                  <a:extLst>
+                    <a:ext uri="{9D8B030D-6E8A-4147-A177-3AD203B41FA5}">
+                      <a16:colId xmlns:a16="http://schemas.microsoft.com/office/drawing/2014/main" val="366538510"/>
+                    </a:ext>
+                  </a:extLst>
+                </a:gridCol>
+                <a:gridCol w="1672771">
+                  <a:extLst>
+                    <a:ext uri="{9D8B030D-6E8A-4147-A177-3AD203B41FA5}">
+                      <a16:colId xmlns:a16="http://schemas.microsoft.com/office/drawing/2014/main" val="1545548767"/>
+                    </a:ext>
+                  </a:extLst>
+                </a:gridCol>
+              </a:tblGrid>
+              <a:tr h="338667">
+                <a:tc gridSpan="2">
+                  <a:txBody>
+                    <a:bodyPr/>
+                    <a:lstStyle/>
+                    <a:p>
+                      <a:pPr algn="ctr"/>
+                      <a:r>
+                        <a:rPr lang="en-US" altLang="ko-Kore-KR" dirty="0"/>
+                        <a:t>question</a:t>
+                      </a:r>
+                      <a:endParaRPr lang="ko-Kore-KR" altLang="en-US" dirty="0"/>
+                    </a:p>
+                  </a:txBody>
+                  <a:tcPr anchor="ctr"/>
+                </a:tc>
+                <a:tc hMerge="1">
+                  <a:txBody>
+                    <a:bodyPr/>
+                    <a:lstStyle/>
+                    <a:p>
+                      <a:endParaRPr lang="ko-Kore-KR" altLang="en-US" dirty="0"/>
+                    </a:p>
+                  </a:txBody>
+                  <a:tcPr/>
+                </a:tc>
+                <a:extLst>
+                  <a:ext uri="{0D108BD9-81ED-4DB2-BD59-A6C34878D82A}">
+                    <a16:rowId xmlns:a16="http://schemas.microsoft.com/office/drawing/2014/main" val="3937282584"/>
+                  </a:ext>
+                </a:extLst>
+              </a:tr>
+              <a:tr h="338667">
+                <a:tc>
+                  <a:txBody>
+                    <a:bodyPr/>
+                    <a:lstStyle/>
+                    <a:p>
+                      <a:pPr algn="ctr"/>
+                      <a:r>
+                        <a:rPr lang="en-US" altLang="ko-Kore-KR" dirty="0"/>
+                        <a:t>id</a:t>
+                      </a:r>
+                      <a:endParaRPr lang="ko-Kore-KR" altLang="en-US" dirty="0"/>
+                    </a:p>
+                  </a:txBody>
+                  <a:tcPr anchor="ctr"/>
+                </a:tc>
+                <a:tc>
+                  <a:txBody>
+                    <a:bodyPr/>
+                    <a:lstStyle/>
+                    <a:p>
+                      <a:pPr algn="ctr"/>
+                      <a:r>
+                        <a:rPr lang="en-US" altLang="ko-Kore-KR" dirty="0"/>
+                        <a:t>Long(PK)</a:t>
+                      </a:r>
+                      <a:endParaRPr lang="ko-Kore-KR" altLang="en-US" dirty="0"/>
+                    </a:p>
+                  </a:txBody>
+                  <a:tcPr anchor="ctr"/>
+                </a:tc>
+                <a:extLst>
+                  <a:ext uri="{0D108BD9-81ED-4DB2-BD59-A6C34878D82A}">
+                    <a16:rowId xmlns:a16="http://schemas.microsoft.com/office/drawing/2014/main" val="1730845299"/>
+                  </a:ext>
+                </a:extLst>
+              </a:tr>
+              <a:tr h="338667">
+                <a:tc>
+                  <a:txBody>
+                    <a:bodyPr/>
+                    <a:lstStyle/>
+                    <a:p>
+                      <a:pPr algn="ctr"/>
+                      <a:r>
+                        <a:rPr lang="en-US" altLang="ko-Kore-KR" dirty="0"/>
+                        <a:t>post</a:t>
+                      </a:r>
+                      <a:endParaRPr lang="ko-Kore-KR" altLang="en-US" dirty="0"/>
+                    </a:p>
+                  </a:txBody>
+                  <a:tcPr anchor="ctr"/>
+                </a:tc>
+                <a:tc>
+                  <a:txBody>
+                    <a:bodyPr/>
+                    <a:lstStyle/>
+                    <a:p>
+                      <a:pPr algn="ctr"/>
+                      <a:r>
+                        <a:rPr lang="en-US" altLang="ko-Kore-KR" dirty="0"/>
+                        <a:t>Post(FK)</a:t>
+                      </a:r>
+                      <a:endParaRPr lang="ko-Kore-KR" altLang="en-US" dirty="0"/>
+                    </a:p>
+                  </a:txBody>
+                  <a:tcPr anchor="ctr"/>
+                </a:tc>
+                <a:extLst>
+                  <a:ext uri="{0D108BD9-81ED-4DB2-BD59-A6C34878D82A}">
+                    <a16:rowId xmlns:a16="http://schemas.microsoft.com/office/drawing/2014/main" val="1881583776"/>
+                  </a:ext>
+                </a:extLst>
+              </a:tr>
+              <a:tr h="338667">
+                <a:tc>
+                  <a:txBody>
+                    <a:bodyPr/>
+                    <a:lstStyle/>
+                    <a:p>
+                      <a:pPr algn="ctr"/>
+                      <a:r>
+                        <a:rPr lang="en-US" altLang="ko-Kore-KR" sz="1800" dirty="0"/>
+                        <a:t>order</a:t>
+                      </a:r>
+                      <a:endParaRPr lang="ko-Kore-KR" altLang="en-US" dirty="0"/>
+                    </a:p>
+                  </a:txBody>
+                  <a:tcPr anchor="ctr"/>
+                </a:tc>
+                <a:tc>
+                  <a:txBody>
+                    <a:bodyPr/>
+                    <a:lstStyle/>
+                    <a:p>
+                      <a:pPr algn="ctr"/>
+                      <a:r>
+                        <a:rPr lang="en-US" altLang="ko-Kore-KR" dirty="0"/>
+                        <a:t>Integer</a:t>
+                      </a:r>
+                      <a:endParaRPr lang="ko-Kore-KR" altLang="en-US" dirty="0"/>
+                    </a:p>
+                  </a:txBody>
+                  <a:tcPr anchor="ctr"/>
+                </a:tc>
+                <a:extLst>
+                  <a:ext uri="{0D108BD9-81ED-4DB2-BD59-A6C34878D82A}">
+                    <a16:rowId xmlns:a16="http://schemas.microsoft.com/office/drawing/2014/main" val="326285676"/>
+                  </a:ext>
+                </a:extLst>
+              </a:tr>
+              <a:tr h="338667">
+                <a:tc>
+                  <a:txBody>
+                    <a:bodyPr/>
+                    <a:lstStyle/>
+                    <a:p>
+                      <a:pPr algn="ctr"/>
+                      <a:r>
+                        <a:rPr lang="en-US" altLang="ko-Kore-KR" dirty="0"/>
+                        <a:t>content</a:t>
+                      </a:r>
+                      <a:endParaRPr lang="ko-Kore-KR" altLang="en-US" dirty="0"/>
+                    </a:p>
+                  </a:txBody>
+                  <a:tcPr anchor="ctr"/>
+                </a:tc>
+                <a:tc>
+                  <a:txBody>
+                    <a:bodyPr/>
+                    <a:lstStyle/>
+                    <a:p>
+                      <a:pPr algn="ctr"/>
+                      <a:r>
+                        <a:rPr lang="en-US" altLang="ko-Kore-KR" dirty="0"/>
+                        <a:t>String</a:t>
+                      </a:r>
+                      <a:endParaRPr lang="ko-Kore-KR" altLang="en-US" dirty="0"/>
+                    </a:p>
+                  </a:txBody>
+                  <a:tcPr anchor="ctr"/>
+                </a:tc>
+                <a:extLst>
+                  <a:ext uri="{0D108BD9-81ED-4DB2-BD59-A6C34878D82A}">
+                    <a16:rowId xmlns:a16="http://schemas.microsoft.com/office/drawing/2014/main" val="498039456"/>
+                  </a:ext>
+                </a:extLst>
+              </a:tr>
+            </a:tbl>
+          </a:graphicData>
+        </a:graphic>
+      </p:graphicFrame>
     </p:spTree>
     <p:extLst>
       <p:ext uri="{BB962C8B-B14F-4D97-AF65-F5344CB8AC3E}">

--- a/db.pptx
+++ b/db.pptx
@@ -261,7 +261,7 @@
           <a:p>
             <a:fld id="{BB464EFB-CF24-FA47-AED0-B2E385ED4C82}" type="datetimeFigureOut">
               <a:rPr kumimoji="1" lang="ko-Kore-KR" altLang="en-US" smtClean="0"/>
-              <a:t>2023. 1. 31.</a:t>
+              <a:t>2023. 2. 1.</a:t>
             </a:fld>
             <a:endParaRPr kumimoji="1" lang="ko-Kore-KR" altLang="en-US"/>
           </a:p>
@@ -461,7 +461,7 @@
           <a:p>
             <a:fld id="{BB464EFB-CF24-FA47-AED0-B2E385ED4C82}" type="datetimeFigureOut">
               <a:rPr kumimoji="1" lang="ko-Kore-KR" altLang="en-US" smtClean="0"/>
-              <a:t>2023. 1. 31.</a:t>
+              <a:t>2023. 2. 1.</a:t>
             </a:fld>
             <a:endParaRPr kumimoji="1" lang="ko-Kore-KR" altLang="en-US"/>
           </a:p>
@@ -671,7 +671,7 @@
           <a:p>
             <a:fld id="{BB464EFB-CF24-FA47-AED0-B2E385ED4C82}" type="datetimeFigureOut">
               <a:rPr kumimoji="1" lang="ko-Kore-KR" altLang="en-US" smtClean="0"/>
-              <a:t>2023. 1. 31.</a:t>
+              <a:t>2023. 2. 1.</a:t>
             </a:fld>
             <a:endParaRPr kumimoji="1" lang="ko-Kore-KR" altLang="en-US"/>
           </a:p>
@@ -871,7 +871,7 @@
           <a:p>
             <a:fld id="{BB464EFB-CF24-FA47-AED0-B2E385ED4C82}" type="datetimeFigureOut">
               <a:rPr kumimoji="1" lang="ko-Kore-KR" altLang="en-US" smtClean="0"/>
-              <a:t>2023. 1. 31.</a:t>
+              <a:t>2023. 2. 1.</a:t>
             </a:fld>
             <a:endParaRPr kumimoji="1" lang="ko-Kore-KR" altLang="en-US"/>
           </a:p>
@@ -1147,7 +1147,7 @@
           <a:p>
             <a:fld id="{BB464EFB-CF24-FA47-AED0-B2E385ED4C82}" type="datetimeFigureOut">
               <a:rPr kumimoji="1" lang="ko-Kore-KR" altLang="en-US" smtClean="0"/>
-              <a:t>2023. 1. 31.</a:t>
+              <a:t>2023. 2. 1.</a:t>
             </a:fld>
             <a:endParaRPr kumimoji="1" lang="ko-Kore-KR" altLang="en-US"/>
           </a:p>
@@ -1415,7 +1415,7 @@
           <a:p>
             <a:fld id="{BB464EFB-CF24-FA47-AED0-B2E385ED4C82}" type="datetimeFigureOut">
               <a:rPr kumimoji="1" lang="ko-Kore-KR" altLang="en-US" smtClean="0"/>
-              <a:t>2023. 1. 31.</a:t>
+              <a:t>2023. 2. 1.</a:t>
             </a:fld>
             <a:endParaRPr kumimoji="1" lang="ko-Kore-KR" altLang="en-US"/>
           </a:p>
@@ -1830,7 +1830,7 @@
           <a:p>
             <a:fld id="{BB464EFB-CF24-FA47-AED0-B2E385ED4C82}" type="datetimeFigureOut">
               <a:rPr kumimoji="1" lang="ko-Kore-KR" altLang="en-US" smtClean="0"/>
-              <a:t>2023. 1. 31.</a:t>
+              <a:t>2023. 2. 1.</a:t>
             </a:fld>
             <a:endParaRPr kumimoji="1" lang="ko-Kore-KR" altLang="en-US"/>
           </a:p>
@@ -1972,7 +1972,7 @@
           <a:p>
             <a:fld id="{BB464EFB-CF24-FA47-AED0-B2E385ED4C82}" type="datetimeFigureOut">
               <a:rPr kumimoji="1" lang="ko-Kore-KR" altLang="en-US" smtClean="0"/>
-              <a:t>2023. 1. 31.</a:t>
+              <a:t>2023. 2. 1.</a:t>
             </a:fld>
             <a:endParaRPr kumimoji="1" lang="ko-Kore-KR" altLang="en-US"/>
           </a:p>
@@ -2085,7 +2085,7 @@
           <a:p>
             <a:fld id="{BB464EFB-CF24-FA47-AED0-B2E385ED4C82}" type="datetimeFigureOut">
               <a:rPr kumimoji="1" lang="ko-Kore-KR" altLang="en-US" smtClean="0"/>
-              <a:t>2023. 1. 31.</a:t>
+              <a:t>2023. 2. 1.</a:t>
             </a:fld>
             <a:endParaRPr kumimoji="1" lang="ko-Kore-KR" altLang="en-US"/>
           </a:p>
@@ -2398,7 +2398,7 @@
           <a:p>
             <a:fld id="{BB464EFB-CF24-FA47-AED0-B2E385ED4C82}" type="datetimeFigureOut">
               <a:rPr kumimoji="1" lang="ko-Kore-KR" altLang="en-US" smtClean="0"/>
-              <a:t>2023. 1. 31.</a:t>
+              <a:t>2023. 2. 1.</a:t>
             </a:fld>
             <a:endParaRPr kumimoji="1" lang="ko-Kore-KR" altLang="en-US"/>
           </a:p>
@@ -2687,7 +2687,7 @@
           <a:p>
             <a:fld id="{BB464EFB-CF24-FA47-AED0-B2E385ED4C82}" type="datetimeFigureOut">
               <a:rPr kumimoji="1" lang="ko-Kore-KR" altLang="en-US" smtClean="0"/>
-              <a:t>2023. 1. 31.</a:t>
+              <a:t>2023. 2. 1.</a:t>
             </a:fld>
             <a:endParaRPr kumimoji="1" lang="ko-Kore-KR" altLang="en-US"/>
           </a:p>
@@ -2930,7 +2930,7 @@
           <a:p>
             <a:fld id="{BB464EFB-CF24-FA47-AED0-B2E385ED4C82}" type="datetimeFigureOut">
               <a:rPr kumimoji="1" lang="ko-Kore-KR" altLang="en-US" smtClean="0"/>
-              <a:t>2023. 1. 31.</a:t>
+              <a:t>2023. 2. 1.</a:t>
             </a:fld>
             <a:endParaRPr kumimoji="1" lang="ko-Kore-KR" altLang="en-US"/>
           </a:p>
@@ -3362,7 +3362,7 @@
           <p:nvPr>
             <p:extLst>
               <p:ext uri="{D42A27DB-BD31-4B8C-83A1-F6EECF244321}">
-                <p14:modId xmlns:p14="http://schemas.microsoft.com/office/powerpoint/2010/main" val="652177936"/>
+                <p14:modId xmlns:p14="http://schemas.microsoft.com/office/powerpoint/2010/main" val="1456654959"/>
               </p:ext>
             </p:extLst>
           </p:nvPr>
@@ -3507,8 +3507,8 @@
                     <a:p>
                       <a:pPr algn="ctr"/>
                       <a:r>
-                        <a:rPr lang="en-US" altLang="ko-Kore-KR" dirty="0"/>
-                        <a:t>phone</a:t>
+                        <a:rPr lang="en-US" altLang="ko-Kore-KR"/>
+                        <a:t>password</a:t>
                       </a:r>
                       <a:endParaRPr lang="ko-Kore-KR" altLang="en-US" dirty="0"/>
                     </a:p>
